--- a/Lending Club Case Study.pptx
+++ b/Lending Club Case Study.pptx
@@ -4246,7 +4246,6 @@
             <a:pPr algn="ctr"/>
             <a:r>
               <a:rPr lang="en-IN" sz="6000" dirty="0">
-                <a:ln/>
                 <a:solidFill>
                   <a:schemeClr val="tx1"/>
                 </a:solidFill>
@@ -4262,7 +4261,6 @@
               <a:t>Lending Club Case Study</a:t>
             </a:r>
             <a:endParaRPr lang="en-IN" sz="6000" dirty="0">
-              <a:ln/>
               <a:solidFill>
                 <a:schemeClr val="tx1"/>
               </a:solidFill>
@@ -8956,7 +8954,6 @@
           <a:p>
             <a:r>
               <a:rPr lang="en-US">
-                <a:ln/>
                 <a:solidFill>
                   <a:schemeClr val="accent1"/>
                 </a:solidFill>
@@ -8971,7 +8968,6 @@
               <a:t>Objective</a:t>
             </a:r>
             <a:endParaRPr lang="en-US">
-              <a:ln/>
               <a:solidFill>
                 <a:schemeClr val="accent1"/>
               </a:solidFill>
@@ -9002,7 +8998,7 @@
           <a:p>
             <a:r>
               <a:rPr lang="en-US"/>
-              <a:t>The object of this case study is to find which type of loans have been defaulted in the Past and impement EDA to understand how consumer attributes and loan attributes influence the tendency of default. The aim is to identify patterns which indicate if a person is likely to default, which may be used for taking actions such as denying the loan, reducing the amount of loan, lending (to risky applicants) at a higher interest rate, etc.</a:t>
+              <a:t>The object of this case study is to find which types of loans have been defaulted in the Past and implement EDA to understand how consumer attributes and loan attributes influence the tendency of default. The aim is to identify patterns which indicate if a person is likely to default, which may be used for taking actions such as denying the loan, reducing the amount of the loan, lending (to risky applicants) at a higher interest rate, etc.</a:t>
             </a:r>
             <a:endParaRPr lang="en-US"/>
           </a:p>
@@ -9482,7 +9478,6 @@
           <a:p>
             <a:r>
               <a:rPr lang="en-IN" dirty="0">
-                <a:ln/>
                 <a:solidFill>
                   <a:schemeClr val="accent1"/>
                 </a:solidFill>
@@ -9498,7 +9493,6 @@
             </a:r>
             <a:r>
               <a:rPr lang="en-US" altLang="en-IN" dirty="0">
-                <a:ln/>
                 <a:solidFill>
                   <a:schemeClr val="accent1"/>
                 </a:solidFill>
@@ -9513,7 +9507,6 @@
               <a:t>Decision</a:t>
             </a:r>
             <a:endParaRPr lang="en-US" altLang="en-IN" dirty="0">
-              <a:ln/>
               <a:solidFill>
                 <a:schemeClr val="accent1"/>
               </a:solidFill>
